--- a/3.Game Handle with sensor course/9.Handheld rangefinder/9.Handheld rangefinder.pptx
+++ b/3.Game Handle with sensor course/9.Handheld rangefinder/9.Handheld rangefinder.pptx
@@ -2365,7 +2365,7 @@
         <a:spcBef>
           <a:spcPts val="1000"/>
         </a:spcBef>
-        <a:buFont typeface="Arial" panose="020B0604020202020204" pitchFamily="34" charset="0"/>
+        <a:buFont typeface="Arial" pitchFamily="34" charset="0"/>
         <a:buChar char="•"/>
         <a:defRPr sz="2800" kern="1200">
           <a:solidFill>
@@ -2383,7 +2383,7 @@
         <a:spcBef>
           <a:spcPts val="500"/>
         </a:spcBef>
-        <a:buFont typeface="Arial" panose="020B0604020202020204" pitchFamily="34" charset="0"/>
+        <a:buFont typeface="Arial" pitchFamily="34" charset="0"/>
         <a:buChar char="•"/>
         <a:defRPr sz="2400" kern="1200">
           <a:solidFill>
@@ -2401,7 +2401,7 @@
         <a:spcBef>
           <a:spcPts val="500"/>
         </a:spcBef>
-        <a:buFont typeface="Arial" panose="020B0604020202020204" pitchFamily="34" charset="0"/>
+        <a:buFont typeface="Arial" pitchFamily="34" charset="0"/>
         <a:buChar char="•"/>
         <a:defRPr sz="2000" kern="1200">
           <a:solidFill>
@@ -2419,7 +2419,7 @@
         <a:spcBef>
           <a:spcPts val="500"/>
         </a:spcBef>
-        <a:buFont typeface="Arial" panose="020B0604020202020204" pitchFamily="34" charset="0"/>
+        <a:buFont typeface="Arial" pitchFamily="34" charset="0"/>
         <a:buChar char="•"/>
         <a:defRPr sz="1800" kern="1200">
           <a:solidFill>
@@ -2437,7 +2437,7 @@
         <a:spcBef>
           <a:spcPts val="500"/>
         </a:spcBef>
-        <a:buFont typeface="Arial" panose="020B0604020202020204" pitchFamily="34" charset="0"/>
+        <a:buFont typeface="Arial" pitchFamily="34" charset="0"/>
         <a:buChar char="•"/>
         <a:defRPr sz="1800" kern="1200">
           <a:solidFill>
@@ -2455,7 +2455,7 @@
         <a:spcBef>
           <a:spcPts val="500"/>
         </a:spcBef>
-        <a:buFont typeface="Arial" panose="020B0604020202020204" pitchFamily="34" charset="0"/>
+        <a:buFont typeface="Arial" pitchFamily="34" charset="0"/>
         <a:buChar char="•"/>
         <a:defRPr sz="1800" kern="1200">
           <a:solidFill>
@@ -2473,7 +2473,7 @@
         <a:spcBef>
           <a:spcPts val="500"/>
         </a:spcBef>
-        <a:buFont typeface="Arial" panose="020B0604020202020204" pitchFamily="34" charset="0"/>
+        <a:buFont typeface="Arial" pitchFamily="34" charset="0"/>
         <a:buChar char="•"/>
         <a:defRPr sz="1800" kern="1200">
           <a:solidFill>
@@ -2491,7 +2491,7 @@
         <a:spcBef>
           <a:spcPts val="500"/>
         </a:spcBef>
-        <a:buFont typeface="Arial" panose="020B0604020202020204" pitchFamily="34" charset="0"/>
+        <a:buFont typeface="Arial" pitchFamily="34" charset="0"/>
         <a:buChar char="•"/>
         <a:defRPr sz="1800" kern="1200">
           <a:solidFill>
@@ -2509,7 +2509,7 @@
         <a:spcBef>
           <a:spcPts val="500"/>
         </a:spcBef>
-        <a:buFont typeface="Arial" panose="020B0604020202020204" pitchFamily="34" charset="0"/>
+        <a:buFont typeface="Arial" pitchFamily="34" charset="0"/>
         <a:buChar char="•"/>
         <a:defRPr sz="1800" kern="1200">
           <a:solidFill>
@@ -2937,8 +2937,8 @@
                     </a:srgbClr>
                   </a:outerShdw>
                 </a:effectLst>
-                <a:latin typeface="Arial" panose="020B0604020202020204" pitchFamily="34" charset="0"/>
-                <a:ea typeface="Arial" panose="020B0604020202020204" pitchFamily="34" charset="0"/>
+                <a:latin typeface="Arial" pitchFamily="34" charset="0"/>
+                <a:ea typeface="Arial" pitchFamily="34" charset="0"/>
                 <a:sym typeface="+mn-ea"/>
               </a:rPr>
               <a:t>Lesson 9</a:t>
@@ -2954,8 +2954,8 @@
                   </a:srgbClr>
                 </a:outerShdw>
               </a:effectLst>
-              <a:latin typeface="宋体" panose="02010600030101010101" pitchFamily="2" charset="-122"/>
-              <a:ea typeface="宋体" panose="02010600030101010101" pitchFamily="2" charset="-122"/>
+              <a:latin typeface="宋体" pitchFamily="2" charset="-122"/>
+              <a:ea typeface="宋体" pitchFamily="2" charset="-122"/>
             </a:endParaRPr>
           </a:p>
         </p:txBody>
@@ -2994,8 +2994,8 @@
                     </a:srgbClr>
                   </a:outerShdw>
                 </a:effectLst>
-                <a:latin typeface="Arial" panose="020B0604020202020204" pitchFamily="34" charset="0"/>
-                <a:ea typeface="Arial" panose="020B0604020202020204" pitchFamily="34" charset="0"/>
+                <a:latin typeface="Arial" pitchFamily="34" charset="0"/>
+                <a:ea typeface="Arial" pitchFamily="34" charset="0"/>
                 <a:sym typeface="+mn-ea"/>
               </a:rPr>
               <a:t>micro:bit</a:t>
@@ -3012,8 +3012,8 @@
                     </a:srgbClr>
                   </a:outerShdw>
                 </a:effectLst>
-                <a:latin typeface="Arial" panose="020B0604020202020204" pitchFamily="34" charset="0"/>
-                <a:ea typeface="Arial" panose="020B0604020202020204" pitchFamily="34" charset="0"/>
+                <a:latin typeface="Arial" pitchFamily="34" charset="0"/>
+                <a:ea typeface="Arial" pitchFamily="34" charset="0"/>
                 <a:sym typeface="+mn-ea"/>
               </a:rPr>
               <a:t> </a:t>
@@ -3030,8 +3030,8 @@
                     </a:srgbClr>
                   </a:outerShdw>
                 </a:effectLst>
-                <a:latin typeface="Arial" panose="020B0604020202020204" pitchFamily="34" charset="0"/>
-                <a:ea typeface="Arial" panose="020B0604020202020204" pitchFamily="34" charset="0"/>
+                <a:latin typeface="Arial" pitchFamily="34" charset="0"/>
+                <a:ea typeface="Arial" pitchFamily="34" charset="0"/>
                 <a:sym typeface="+mn-ea"/>
               </a:rPr>
               <a:t>basic lesson 9 “Handheld rangefinder”</a:t>
@@ -3047,8 +3047,8 @@
                   </a:srgbClr>
                 </a:outerShdw>
               </a:effectLst>
-              <a:latin typeface="Arial" panose="020B0604020202020204" pitchFamily="34" charset="0"/>
-              <a:ea typeface="Arial" panose="020B0604020202020204" pitchFamily="34" charset="0"/>
+              <a:latin typeface="Arial" pitchFamily="34" charset="0"/>
+              <a:ea typeface="Arial" pitchFamily="34" charset="0"/>
             </a:endParaRPr>
           </a:p>
           <a:p>
@@ -3064,9 +3064,9 @@
                   </a:srgbClr>
                 </a:outerShdw>
               </a:effectLst>
-              <a:latin typeface="宋体" panose="02010600030101010101" pitchFamily="2" charset="-122"/>
-              <a:ea typeface="宋体" panose="02010600030101010101" pitchFamily="2" charset="-122"/>
-              <a:cs typeface="宋体" panose="02010600030101010101" pitchFamily="2" charset="-122"/>
+              <a:latin typeface="宋体" pitchFamily="2" charset="-122"/>
+              <a:ea typeface="宋体" pitchFamily="2" charset="-122"/>
+              <a:cs typeface="宋体" pitchFamily="2" charset="-122"/>
             </a:endParaRPr>
           </a:p>
         </p:txBody>
@@ -3096,7 +3096,7 @@
                   <a:schemeClr val="accent2"/>
                 </a:solidFill>
                 <a:latin typeface="+mn-lt"/>
-                <a:ea typeface="微软雅黑" panose="020B0503020204020204" charset="-122"/>
+                <a:ea typeface="微软雅黑" charset="-122"/>
                 <a:cs typeface="+mn-lt"/>
               </a:rPr>
               <a:t>micro:bit p</a:t>
@@ -3107,7 +3107,7 @@
                   <a:schemeClr val="accent2"/>
                 </a:solidFill>
                 <a:latin typeface="+mn-lt"/>
-                <a:ea typeface="微软雅黑" panose="020B0503020204020204" charset="-122"/>
+                <a:ea typeface="微软雅黑" charset="-122"/>
                 <a:cs typeface="+mn-lt"/>
               </a:rPr>
               <a:t>rogramming tutorial</a:t>
@@ -3117,7 +3117,7 @@
                 <a:schemeClr val="accent2"/>
               </a:solidFill>
               <a:latin typeface="+mn-lt"/>
-              <a:ea typeface="微软雅黑" panose="020B0503020204020204" charset="-122"/>
+              <a:ea typeface="微软雅黑" charset="-122"/>
               <a:cs typeface="+mn-lt"/>
             </a:endParaRPr>
           </a:p>
@@ -3518,8 +3518,8 @@
                 <a:solidFill>
                   <a:schemeClr val="bg1"/>
                 </a:solidFill>
-                <a:latin typeface="微软雅黑" panose="020B0503020204020204" charset="-122"/>
-                <a:ea typeface="微软雅黑" panose="020B0503020204020204" charset="-122"/>
+                <a:latin typeface="微软雅黑" charset="-122"/>
+                <a:ea typeface="微软雅黑" charset="-122"/>
                 <a:sym typeface="+mn-ea"/>
               </a:rPr>
               <a:t> Yahboom</a:t>
@@ -3529,8 +3529,8 @@
                 <a:solidFill>
                   <a:schemeClr val="bg1"/>
                 </a:solidFill>
-                <a:latin typeface="微软雅黑" panose="020B0503020204020204" charset="-122"/>
-                <a:ea typeface="微软雅黑" panose="020B0503020204020204" charset="-122"/>
+                <a:latin typeface="微软雅黑" charset="-122"/>
+                <a:ea typeface="微软雅黑" charset="-122"/>
                 <a:sym typeface="+mn-ea"/>
               </a:rPr>
               <a:t>     </a:t>
@@ -3540,8 +3540,8 @@
                 <a:solidFill>
                   <a:schemeClr val="bg1"/>
                 </a:solidFill>
-                <a:latin typeface="微软雅黑" panose="020B0503020204020204" charset="-122"/>
-                <a:ea typeface="微软雅黑" panose="020B0503020204020204" charset="-122"/>
+                <a:latin typeface="微软雅黑" charset="-122"/>
+                <a:ea typeface="微软雅黑" charset="-122"/>
                 <a:sym typeface="+mn-ea"/>
               </a:rPr>
               <a:t>micro:bit t</a:t>
@@ -3551,8 +3551,8 @@
                 <a:solidFill>
                   <a:schemeClr val="bg1"/>
                 </a:solidFill>
-                <a:latin typeface="微软雅黑" panose="020B0503020204020204" charset="-122"/>
-                <a:ea typeface="微软雅黑" panose="020B0503020204020204" charset="-122"/>
+                <a:latin typeface="微软雅黑" charset="-122"/>
+                <a:ea typeface="微软雅黑" charset="-122"/>
                 <a:sym typeface="+mn-ea"/>
               </a:rPr>
               <a:t>utorial</a:t>
@@ -3561,8 +3561,8 @@
               <a:solidFill>
                 <a:schemeClr val="bg1"/>
               </a:solidFill>
-              <a:latin typeface="微软雅黑" panose="020B0503020204020204" charset="-122"/>
-              <a:ea typeface="微软雅黑" panose="020B0503020204020204" charset="-122"/>
+              <a:latin typeface="微软雅黑" charset="-122"/>
+              <a:ea typeface="微软雅黑" charset="-122"/>
               <a:sym typeface="+mn-ea"/>
             </a:endParaRPr>
           </a:p>
@@ -4152,7 +4152,7 @@
                     <a:lumMod val="75000"/>
                   </a:schemeClr>
                 </a:solidFill>
-                <a:ea typeface="宋体" panose="02010600030101010101" pitchFamily="2" charset="-122"/>
+                <a:ea typeface="宋体" pitchFamily="2" charset="-122"/>
                 <a:cs typeface="+mn-lt"/>
                 <a:sym typeface="+mn-ea"/>
               </a:rPr>
@@ -4165,7 +4165,7 @@
                     <a:lumMod val="75000"/>
                   </a:schemeClr>
                 </a:solidFill>
-                <a:ea typeface="宋体" panose="02010600030101010101" pitchFamily="2" charset="-122"/>
+                <a:ea typeface="宋体" pitchFamily="2" charset="-122"/>
                 <a:cs typeface="+mn-lt"/>
                 <a:sym typeface="+mn-ea"/>
               </a:rPr>
@@ -4177,9 +4177,9 @@
                   <a:lumMod val="75000"/>
                 </a:schemeClr>
               </a:solidFill>
-              <a:latin typeface="宋体" panose="02010600030101010101" pitchFamily="2" charset="-122"/>
-              <a:ea typeface="宋体" panose="02010600030101010101" pitchFamily="2" charset="-122"/>
-              <a:cs typeface="宋体" panose="02010600030101010101" pitchFamily="2" charset="-122"/>
+              <a:latin typeface="宋体" pitchFamily="2" charset="-122"/>
+              <a:ea typeface="宋体" pitchFamily="2" charset="-122"/>
+              <a:cs typeface="宋体" pitchFamily="2" charset="-122"/>
             </a:endParaRPr>
           </a:p>
         </p:txBody>
@@ -4209,7 +4209,7 @@
                   <a:schemeClr val="accent2"/>
                 </a:solidFill>
                 <a:latin typeface="+mn-lt"/>
-                <a:ea typeface="微软雅黑" panose="020B0503020204020204" charset="-122"/>
+                <a:ea typeface="微软雅黑" charset="-122"/>
                 <a:cs typeface="+mn-lt"/>
               </a:rPr>
               <a:t>micro:bit p</a:t>
@@ -4220,7 +4220,7 @@
                   <a:schemeClr val="accent2"/>
                 </a:solidFill>
                 <a:latin typeface="+mn-lt"/>
-                <a:ea typeface="微软雅黑" panose="020B0503020204020204" charset="-122"/>
+                <a:ea typeface="微软雅黑" charset="-122"/>
                 <a:cs typeface="+mn-lt"/>
               </a:rPr>
               <a:t>rogramming tutorial</a:t>
@@ -4230,7 +4230,7 @@
                 <a:schemeClr val="accent2"/>
               </a:solidFill>
               <a:latin typeface="+mn-lt"/>
-              <a:ea typeface="微软雅黑" panose="020B0503020204020204" charset="-122"/>
+              <a:ea typeface="微软雅黑" charset="-122"/>
               <a:cs typeface="+mn-lt"/>
             </a:endParaRPr>
           </a:p>
@@ -4631,8 +4631,8 @@
                 <a:solidFill>
                   <a:schemeClr val="bg1"/>
                 </a:solidFill>
-                <a:latin typeface="微软雅黑" panose="020B0503020204020204" charset="-122"/>
-                <a:ea typeface="微软雅黑" panose="020B0503020204020204" charset="-122"/>
+                <a:latin typeface="微软雅黑" charset="-122"/>
+                <a:ea typeface="微软雅黑" charset="-122"/>
                 <a:sym typeface="+mn-ea"/>
               </a:rPr>
               <a:t> Yahboom</a:t>
@@ -4642,8 +4642,8 @@
                 <a:solidFill>
                   <a:schemeClr val="bg1"/>
                 </a:solidFill>
-                <a:latin typeface="微软雅黑" panose="020B0503020204020204" charset="-122"/>
-                <a:ea typeface="微软雅黑" panose="020B0503020204020204" charset="-122"/>
+                <a:latin typeface="微软雅黑" charset="-122"/>
+                <a:ea typeface="微软雅黑" charset="-122"/>
                 <a:sym typeface="+mn-ea"/>
               </a:rPr>
               <a:t>     </a:t>
@@ -4653,8 +4653,8 @@
                 <a:solidFill>
                   <a:schemeClr val="bg1"/>
                 </a:solidFill>
-                <a:latin typeface="微软雅黑" panose="020B0503020204020204" charset="-122"/>
-                <a:ea typeface="微软雅黑" panose="020B0503020204020204" charset="-122"/>
+                <a:latin typeface="微软雅黑" charset="-122"/>
+                <a:ea typeface="微软雅黑" charset="-122"/>
                 <a:sym typeface="+mn-ea"/>
               </a:rPr>
               <a:t>micro:bit t</a:t>
@@ -4664,8 +4664,8 @@
                 <a:solidFill>
                   <a:schemeClr val="bg1"/>
                 </a:solidFill>
-                <a:latin typeface="微软雅黑" panose="020B0503020204020204" charset="-122"/>
-                <a:ea typeface="微软雅黑" panose="020B0503020204020204" charset="-122"/>
+                <a:latin typeface="微软雅黑" charset="-122"/>
+                <a:ea typeface="微软雅黑" charset="-122"/>
                 <a:sym typeface="+mn-ea"/>
               </a:rPr>
               <a:t>utorial</a:t>
@@ -4674,8 +4674,8 @@
               <a:solidFill>
                 <a:schemeClr val="bg1"/>
               </a:solidFill>
-              <a:latin typeface="微软雅黑" panose="020B0503020204020204" charset="-122"/>
-              <a:ea typeface="微软雅黑" panose="020B0503020204020204" charset="-122"/>
+              <a:latin typeface="微软雅黑" charset="-122"/>
+              <a:ea typeface="微软雅黑" charset="-122"/>
               <a:sym typeface="+mn-ea"/>
             </a:endParaRPr>
           </a:p>
@@ -4697,7 +4697,7 @@
         </p:blipFill>
         <p:spPr>
           <a:xfrm>
-            <a:off x="1292225" y="2537460"/>
+            <a:off x="1094740" y="2002155"/>
             <a:ext cx="6247765" cy="2152650"/>
           </a:xfrm>
           <a:prstGeom prst="rect">
@@ -4705,6 +4705,72 @@
           </a:prstGeom>
         </p:spPr>
       </p:pic>
+      <p:sp>
+        <p:nvSpPr>
+          <p:cNvPr id="2" name="文本框 1"/>
+          <p:cNvSpPr txBox="1"/>
+          <p:nvPr/>
+        </p:nvSpPr>
+        <p:spPr>
+          <a:xfrm>
+            <a:off x="1200150" y="4234180"/>
+            <a:ext cx="6063615" cy="1313180"/>
+          </a:xfrm>
+          <a:prstGeom prst="rect">
+            <a:avLst/>
+          </a:prstGeom>
+          <a:noFill/>
+        </p:spPr>
+        <p:txBody>
+          <a:bodyPr wrap="square" rtlCol="0">
+            <a:spAutoFit/>
+          </a:bodyPr>
+          <a:p>
+            <a:pPr algn="l"/>
+            <a:r>
+              <a:rPr sz="1600" b="1" dirty="0">
+                <a:solidFill>
+                  <a:srgbClr val="FF0000"/>
+                </a:solidFill>
+                <a:ea typeface="宋体" pitchFamily="2" charset="-122"/>
+                <a:cs typeface="+mn-lt"/>
+                <a:sym typeface="+mn-ea"/>
+              </a:rPr>
+              <a:t>!Note: </a:t>
+            </a:r>
+            <a:endParaRPr sz="1600" b="1" dirty="0">
+              <a:solidFill>
+                <a:srgbClr val="FF0000"/>
+              </a:solidFill>
+              <a:ea typeface="宋体" pitchFamily="2" charset="-122"/>
+              <a:cs typeface="+mn-lt"/>
+              <a:sym typeface="+mn-ea"/>
+            </a:endParaRPr>
+          </a:p>
+          <a:p>
+            <a:pPr algn="l"/>
+            <a:r>
+              <a:rPr sz="1600" b="1" dirty="0">
+                <a:solidFill>
+                  <a:srgbClr val="FF0000"/>
+                </a:solidFill>
+                <a:ea typeface="宋体" pitchFamily="2" charset="-122"/>
+                <a:cs typeface="+mn-lt"/>
+                <a:sym typeface="+mn-ea"/>
+              </a:rPr>
+              <a:t>Ultrasonic ECHO uses the P11 pin of the micro:bit board, which is multiplexed with the A button pin on the micro:bit board. Therefore, when using the ultrasonic module, the B button cannot be used at the same time.</a:t>
+            </a:r>
+            <a:endParaRPr sz="1600" b="1" dirty="0">
+              <a:solidFill>
+                <a:srgbClr val="FF0000"/>
+              </a:solidFill>
+              <a:ea typeface="宋体" pitchFamily="2" charset="-122"/>
+              <a:cs typeface="+mn-lt"/>
+              <a:sym typeface="+mn-ea"/>
+            </a:endParaRPr>
+          </a:p>
+        </p:txBody>
+      </p:sp>
     </p:spTree>
   </p:cSld>
   <p:clrMapOvr>
@@ -5186,7 +5252,7 @@
               <a:rPr lang="en-US" altLang="zh-CN" smtClean="0"/>
               <a:t> </a:t>
             </a:r>
-            <a:endParaRPr lang="zh-CN" altLang="en-US" dirty="0"/>
+            <a:endParaRPr lang="en-US" altLang="zh-CN" dirty="0" smtClean="0"/>
           </a:p>
         </p:txBody>
       </p:sp>
@@ -5442,7 +5508,6 @@
                     <a:lumMod val="75000"/>
                   </a:schemeClr>
                 </a:solidFill>
-                <a:latin typeface="方正少儿_GBK" panose="02000000000000000000" charset="-122"/>
                 <a:ea typeface="方正少儿_GBK" panose="02000000000000000000" charset="-122"/>
               </a:rPr>
               <a:t>micro:bit</a:t>
@@ -5454,7 +5519,6 @@
                     <a:lumMod val="75000"/>
                   </a:schemeClr>
                 </a:solidFill>
-                <a:latin typeface="方正喵呜体" panose="02010600010101010101" pitchFamily="2" charset="-122"/>
                 <a:ea typeface="方正喵呜体" panose="02010600010101010101" pitchFamily="2" charset="-122"/>
               </a:rPr>
               <a:t>    </a:t>
@@ -5465,7 +5529,6 @@
                   <a:lumMod val="75000"/>
                 </a:schemeClr>
               </a:solidFill>
-              <a:latin typeface="方正喵呜体" panose="02010600010101010101" pitchFamily="2" charset="-122"/>
               <a:ea typeface="方正喵呜体" panose="02010600010101010101" pitchFamily="2" charset="-122"/>
             </a:endParaRPr>
           </a:p>
@@ -5719,7 +5782,7 @@
                   <a:schemeClr val="accent2"/>
                 </a:solidFill>
                 <a:latin typeface="+mn-lt"/>
-                <a:ea typeface="微软雅黑" panose="020B0503020204020204" charset="-122"/>
+                <a:ea typeface="微软雅黑" charset="-122"/>
                 <a:cs typeface="+mn-lt"/>
               </a:rPr>
               <a:t>micro:bit p</a:t>
@@ -5730,7 +5793,7 @@
                   <a:schemeClr val="accent2"/>
                 </a:solidFill>
                 <a:latin typeface="+mn-lt"/>
-                <a:ea typeface="微软雅黑" panose="020B0503020204020204" charset="-122"/>
+                <a:ea typeface="微软雅黑" charset="-122"/>
                 <a:cs typeface="+mn-lt"/>
               </a:rPr>
               <a:t>rogramming tutorial</a:t>
@@ -5740,7 +5803,7 @@
                 <a:schemeClr val="accent2"/>
               </a:solidFill>
               <a:latin typeface="+mn-lt"/>
-              <a:ea typeface="微软雅黑" panose="020B0503020204020204" charset="-122"/>
+              <a:ea typeface="微软雅黑" charset="-122"/>
               <a:cs typeface="+mn-lt"/>
             </a:endParaRPr>
           </a:p>
@@ -6141,8 +6204,7 @@
                 <a:solidFill>
                   <a:schemeClr val="bg1"/>
                 </a:solidFill>
-                <a:latin typeface="微软雅黑" panose="020B0503020204020204" charset="-122"/>
-                <a:ea typeface="微软雅黑" panose="020B0503020204020204" charset="-122"/>
+                <a:ea typeface="微软雅黑" charset="-122"/>
                 <a:sym typeface="+mn-ea"/>
               </a:rPr>
               <a:t> Yahboom</a:t>
@@ -6152,8 +6214,7 @@
                 <a:solidFill>
                   <a:schemeClr val="bg1"/>
                 </a:solidFill>
-                <a:latin typeface="微软雅黑" panose="020B0503020204020204" charset="-122"/>
-                <a:ea typeface="微软雅黑" panose="020B0503020204020204" charset="-122"/>
+                <a:ea typeface="微软雅黑" charset="-122"/>
                 <a:sym typeface="+mn-ea"/>
               </a:rPr>
               <a:t>     </a:t>
@@ -6163,8 +6224,7 @@
                 <a:solidFill>
                   <a:schemeClr val="bg1"/>
                 </a:solidFill>
-                <a:latin typeface="微软雅黑" panose="020B0503020204020204" charset="-122"/>
-                <a:ea typeface="微软雅黑" panose="020B0503020204020204" charset="-122"/>
+                <a:ea typeface="微软雅黑" charset="-122"/>
                 <a:sym typeface="+mn-ea"/>
               </a:rPr>
               <a:t>micro:bit t</a:t>
@@ -6174,8 +6234,7 @@
                 <a:solidFill>
                   <a:schemeClr val="bg1"/>
                 </a:solidFill>
-                <a:latin typeface="微软雅黑" panose="020B0503020204020204" charset="-122"/>
-                <a:ea typeface="微软雅黑" panose="020B0503020204020204" charset="-122"/>
+                <a:ea typeface="微软雅黑" charset="-122"/>
                 <a:sym typeface="+mn-ea"/>
               </a:rPr>
               <a:t>utorial</a:t>
@@ -6184,8 +6243,7 @@
               <a:solidFill>
                 <a:schemeClr val="bg1"/>
               </a:solidFill>
-              <a:latin typeface="微软雅黑" panose="020B0503020204020204" charset="-122"/>
-              <a:ea typeface="微软雅黑" panose="020B0503020204020204" charset="-122"/>
+              <a:ea typeface="微软雅黑" charset="-122"/>
               <a:sym typeface="+mn-ea"/>
             </a:endParaRPr>
           </a:p>
@@ -6219,7 +6277,6 @@
                     <a:lumMod val="75000"/>
                   </a:schemeClr>
                 </a:solidFill>
-                <a:latin typeface="方正少儿_GBK" panose="02000000000000000000" charset="-122"/>
                 <a:ea typeface="方正少儿_GBK" panose="02000000000000000000" charset="-122"/>
               </a:rPr>
               <a:t>Yahboom</a:t>
@@ -6230,7 +6287,6 @@
                   <a:lumMod val="75000"/>
                 </a:schemeClr>
               </a:solidFill>
-              <a:latin typeface="方正少儿_GBK" panose="02000000000000000000" charset="-122"/>
               <a:ea typeface="方正少儿_GBK" panose="02000000000000000000" charset="-122"/>
             </a:endParaRPr>
           </a:p>
@@ -6245,7 +6301,7 @@
         <p:spPr>
           <a:xfrm>
             <a:off x="3992880" y="3686175"/>
-            <a:ext cx="5233670" cy="768350"/>
+            <a:ext cx="5726430" cy="762000"/>
           </a:xfrm>
           <a:prstGeom prst="rect">
             <a:avLst/>
@@ -6265,7 +6321,6 @@
                     <a:lumMod val="75000"/>
                   </a:schemeClr>
                 </a:solidFill>
-                <a:latin typeface="方正少儿_GBK" panose="02000000000000000000" charset="-122"/>
                 <a:ea typeface="方正少儿_GBK" panose="02000000000000000000" charset="-122"/>
               </a:rPr>
               <a:t>Thanks for watching！</a:t>
@@ -6276,7 +6331,6 @@
                   <a:lumMod val="75000"/>
                 </a:schemeClr>
               </a:solidFill>
-              <a:latin typeface="方正少儿_GBK" panose="02000000000000000000" charset="-122"/>
               <a:ea typeface="方正少儿_GBK" panose="02000000000000000000" charset="-122"/>
             </a:endParaRPr>
           </a:p>
@@ -6817,7 +6871,7 @@
                   <a:schemeClr val="accent2"/>
                 </a:solidFill>
                 <a:latin typeface="+mn-lt"/>
-                <a:ea typeface="微软雅黑" panose="020B0503020204020204" charset="-122"/>
+                <a:ea typeface="微软雅黑" charset="-122"/>
                 <a:cs typeface="+mn-lt"/>
               </a:rPr>
               <a:t>micro:bit p</a:t>
@@ -6828,7 +6882,7 @@
                   <a:schemeClr val="accent2"/>
                 </a:solidFill>
                 <a:latin typeface="+mn-lt"/>
-                <a:ea typeface="微软雅黑" panose="020B0503020204020204" charset="-122"/>
+                <a:ea typeface="微软雅黑" charset="-122"/>
                 <a:cs typeface="+mn-lt"/>
               </a:rPr>
               <a:t>rogramming tutorial</a:t>
@@ -6838,7 +6892,7 @@
                 <a:schemeClr val="accent2"/>
               </a:solidFill>
               <a:latin typeface="+mn-lt"/>
-              <a:ea typeface="微软雅黑" panose="020B0503020204020204" charset="-122"/>
+              <a:ea typeface="微软雅黑" charset="-122"/>
               <a:cs typeface="+mn-lt"/>
             </a:endParaRPr>
           </a:p>
@@ -6871,8 +6925,8 @@
                 <a:solidFill>
                   <a:srgbClr val="0070C0"/>
                 </a:solidFill>
-                <a:latin typeface="Arial" panose="020B0604020202020204" pitchFamily="34" charset="0"/>
-                <a:ea typeface="Arial" panose="020B0604020202020204" pitchFamily="34" charset="0"/>
+                <a:latin typeface="Arial" pitchFamily="34" charset="0"/>
+                <a:ea typeface="Arial" pitchFamily="34" charset="0"/>
                 <a:hlinkClick r:id="rId3" action="ppaction://hlinksldjump"/>
               </a:rPr>
               <a:t>Learning goals</a:t>
@@ -6881,8 +6935,8 @@
               <a:solidFill>
                 <a:srgbClr val="0070C0"/>
               </a:solidFill>
-              <a:latin typeface="Arial" panose="020B0604020202020204" pitchFamily="34" charset="0"/>
-              <a:ea typeface="Arial" panose="020B0604020202020204" pitchFamily="34" charset="0"/>
+              <a:latin typeface="Arial" pitchFamily="34" charset="0"/>
+              <a:ea typeface="Arial" pitchFamily="34" charset="0"/>
             </a:endParaRPr>
           </a:p>
         </p:txBody>
@@ -6916,8 +6970,8 @@
                     <a:lumMod val="75000"/>
                   </a:schemeClr>
                 </a:solidFill>
-                <a:latin typeface="Arial" panose="020B0604020202020204" pitchFamily="34" charset="0"/>
-                <a:ea typeface="Arial" panose="020B0604020202020204" pitchFamily="34" charset="0"/>
+                <a:latin typeface="Arial" pitchFamily="34" charset="0"/>
+                <a:ea typeface="Arial" pitchFamily="34" charset="0"/>
                 <a:sym typeface="+mn-ea"/>
                 <a:hlinkClick r:id="rId4" action="ppaction://hlinksldjump"/>
               </a:rPr>
@@ -6929,8 +6983,8 @@
                   <a:lumMod val="75000"/>
                 </a:schemeClr>
               </a:solidFill>
-              <a:latin typeface="Arial" panose="020B0604020202020204" pitchFamily="34" charset="0"/>
-              <a:ea typeface="Arial" panose="020B0604020202020204" pitchFamily="34" charset="0"/>
+              <a:latin typeface="Arial" pitchFamily="34" charset="0"/>
+              <a:ea typeface="Arial" pitchFamily="34" charset="0"/>
               <a:sym typeface="+mn-ea"/>
               <a:hlinkClick r:id="rId4" action="ppaction://hlinksldjump"/>
             </a:endParaRPr>
@@ -6966,8 +7020,8 @@
                     <a:lumMod val="75000"/>
                   </a:schemeClr>
                 </a:solidFill>
-                <a:latin typeface="Arial" panose="020B0604020202020204" pitchFamily="34" charset="0"/>
-                <a:ea typeface="Arial" panose="020B0604020202020204" pitchFamily="34" charset="0"/>
+                <a:latin typeface="Arial" pitchFamily="34" charset="0"/>
+                <a:ea typeface="Arial" pitchFamily="34" charset="0"/>
                 <a:hlinkClick r:id="rId5" action="ppaction://hlinksldjump"/>
               </a:rPr>
               <a:t>Search for blocks</a:t>
@@ -6978,8 +7032,8 @@
                   <a:lumMod val="75000"/>
                 </a:schemeClr>
               </a:solidFill>
-              <a:latin typeface="Arial" panose="020B0604020202020204" pitchFamily="34" charset="0"/>
-              <a:ea typeface="Arial" panose="020B0604020202020204" pitchFamily="34" charset="0"/>
+              <a:latin typeface="Arial" pitchFamily="34" charset="0"/>
+              <a:ea typeface="Arial" pitchFamily="34" charset="0"/>
             </a:endParaRPr>
           </a:p>
         </p:txBody>
@@ -7013,8 +7067,8 @@
                     <a:lumMod val="75000"/>
                   </a:schemeClr>
                 </a:solidFill>
-                <a:latin typeface="Arial" panose="020B0604020202020204" pitchFamily="34" charset="0"/>
-                <a:ea typeface="Arial" panose="020B0604020202020204" pitchFamily="34" charset="0"/>
+                <a:latin typeface="Arial" pitchFamily="34" charset="0"/>
+                <a:ea typeface="Arial" pitchFamily="34" charset="0"/>
                 <a:hlinkClick r:id="rId6" action="ppaction://hlinksldjump"/>
               </a:rPr>
               <a:t>Combin</a:t>
@@ -7026,8 +7080,8 @@
                     <a:lumMod val="75000"/>
                   </a:schemeClr>
                 </a:solidFill>
-                <a:latin typeface="Arial" panose="020B0604020202020204" pitchFamily="34" charset="0"/>
-                <a:ea typeface="Arial" panose="020B0604020202020204" pitchFamily="34" charset="0"/>
+                <a:latin typeface="Arial" pitchFamily="34" charset="0"/>
+                <a:ea typeface="Arial" pitchFamily="34" charset="0"/>
                 <a:hlinkClick r:id="rId6" action="ppaction://hlinksldjump"/>
               </a:rPr>
               <a:t>e</a:t>
@@ -7039,8 +7093,8 @@
                     <a:lumMod val="75000"/>
                   </a:schemeClr>
                 </a:solidFill>
-                <a:latin typeface="Arial" panose="020B0604020202020204" pitchFamily="34" charset="0"/>
-                <a:ea typeface="Arial" panose="020B0604020202020204" pitchFamily="34" charset="0"/>
+                <a:latin typeface="Arial" pitchFamily="34" charset="0"/>
+                <a:ea typeface="Arial" pitchFamily="34" charset="0"/>
                 <a:hlinkClick r:id="rId6" action="ppaction://hlinksldjump"/>
               </a:rPr>
               <a:t> blocks</a:t>
@@ -7051,8 +7105,8 @@
                   <a:lumMod val="75000"/>
                 </a:schemeClr>
               </a:solidFill>
-              <a:latin typeface="Arial" panose="020B0604020202020204" pitchFamily="34" charset="0"/>
-              <a:ea typeface="Arial" panose="020B0604020202020204" pitchFamily="34" charset="0"/>
+              <a:latin typeface="Arial" pitchFamily="34" charset="0"/>
+              <a:ea typeface="Arial" pitchFamily="34" charset="0"/>
             </a:endParaRPr>
           </a:p>
         </p:txBody>
@@ -7085,14 +7139,14 @@
           <a:p>
             <a:r>
               <a:rPr lang="en-US" altLang="zh-CN" dirty="0" smtClean="0">
-                <a:latin typeface="Arial" panose="020B0604020202020204" pitchFamily="34" charset="0"/>
-                <a:ea typeface="Arial" panose="020B0604020202020204" pitchFamily="34" charset="0"/>
+                <a:latin typeface="Arial" pitchFamily="34" charset="0"/>
+                <a:ea typeface="Arial" pitchFamily="34" charset="0"/>
               </a:rPr>
               <a:t>Part 4</a:t>
             </a:r>
             <a:endParaRPr lang="zh-CN" altLang="en-US" dirty="0">
-              <a:latin typeface="Arial" panose="020B0604020202020204" pitchFamily="34" charset="0"/>
-              <a:ea typeface="Arial" panose="020B0604020202020204" pitchFamily="34" charset="0"/>
+              <a:latin typeface="Arial" pitchFamily="34" charset="0"/>
+              <a:ea typeface="Arial" pitchFamily="34" charset="0"/>
             </a:endParaRPr>
           </a:p>
         </p:txBody>
@@ -7125,14 +7179,14 @@
           <a:p>
             <a:r>
               <a:rPr lang="en-US" altLang="zh-CN" dirty="0" smtClean="0">
-                <a:latin typeface="Arial" panose="020B0604020202020204" pitchFamily="34" charset="0"/>
-                <a:ea typeface="Arial" panose="020B0604020202020204" pitchFamily="34" charset="0"/>
+                <a:latin typeface="Arial" pitchFamily="34" charset="0"/>
+                <a:ea typeface="Arial" pitchFamily="34" charset="0"/>
               </a:rPr>
               <a:t>Part1</a:t>
             </a:r>
             <a:endParaRPr lang="en-US" altLang="zh-CN" dirty="0" smtClean="0">
-              <a:latin typeface="Arial" panose="020B0604020202020204" pitchFamily="34" charset="0"/>
-              <a:ea typeface="Arial" panose="020B0604020202020204" pitchFamily="34" charset="0"/>
+              <a:latin typeface="Arial" pitchFamily="34" charset="0"/>
+              <a:ea typeface="Arial" pitchFamily="34" charset="0"/>
             </a:endParaRPr>
           </a:p>
         </p:txBody>
@@ -7165,14 +7219,14 @@
           <a:p>
             <a:r>
               <a:rPr lang="en-US" altLang="zh-CN" dirty="0" smtClean="0">
-                <a:latin typeface="Arial" panose="020B0604020202020204" pitchFamily="34" charset="0"/>
-                <a:ea typeface="Arial" panose="020B0604020202020204" pitchFamily="34" charset="0"/>
+                <a:latin typeface="Arial" pitchFamily="34" charset="0"/>
+                <a:ea typeface="Arial" pitchFamily="34" charset="0"/>
               </a:rPr>
               <a:t>Part 2</a:t>
             </a:r>
             <a:endParaRPr lang="zh-CN" altLang="en-US" dirty="0">
-              <a:latin typeface="Arial" panose="020B0604020202020204" pitchFamily="34" charset="0"/>
-              <a:ea typeface="Arial" panose="020B0604020202020204" pitchFamily="34" charset="0"/>
+              <a:latin typeface="Arial" pitchFamily="34" charset="0"/>
+              <a:ea typeface="Arial" pitchFamily="34" charset="0"/>
             </a:endParaRPr>
           </a:p>
         </p:txBody>
@@ -7205,14 +7259,14 @@
           <a:p>
             <a:r>
               <a:rPr lang="en-US" altLang="zh-CN" dirty="0" smtClean="0">
-                <a:latin typeface="Arial" panose="020B0604020202020204" pitchFamily="34" charset="0"/>
-                <a:ea typeface="Arial" panose="020B0604020202020204" pitchFamily="34" charset="0"/>
+                <a:latin typeface="Arial" pitchFamily="34" charset="0"/>
+                <a:ea typeface="Arial" pitchFamily="34" charset="0"/>
               </a:rPr>
               <a:t>Part3</a:t>
             </a:r>
             <a:endParaRPr lang="zh-CN" altLang="en-US" dirty="0">
-              <a:latin typeface="Arial" panose="020B0604020202020204" pitchFamily="34" charset="0"/>
-              <a:ea typeface="Arial" panose="020B0604020202020204" pitchFamily="34" charset="0"/>
+              <a:latin typeface="Arial" pitchFamily="34" charset="0"/>
+              <a:ea typeface="Arial" pitchFamily="34" charset="0"/>
             </a:endParaRPr>
           </a:p>
         </p:txBody>
@@ -7612,8 +7666,8 @@
                 <a:solidFill>
                   <a:schemeClr val="bg1"/>
                 </a:solidFill>
-                <a:latin typeface="微软雅黑" panose="020B0503020204020204" charset="-122"/>
-                <a:ea typeface="微软雅黑" panose="020B0503020204020204" charset="-122"/>
+                <a:latin typeface="微软雅黑" charset="-122"/>
+                <a:ea typeface="微软雅黑" charset="-122"/>
                 <a:sym typeface="+mn-ea"/>
               </a:rPr>
               <a:t> Yahboom</a:t>
@@ -7623,8 +7677,8 @@
                 <a:solidFill>
                   <a:schemeClr val="bg1"/>
                 </a:solidFill>
-                <a:latin typeface="微软雅黑" panose="020B0503020204020204" charset="-122"/>
-                <a:ea typeface="微软雅黑" panose="020B0503020204020204" charset="-122"/>
+                <a:latin typeface="微软雅黑" charset="-122"/>
+                <a:ea typeface="微软雅黑" charset="-122"/>
                 <a:sym typeface="+mn-ea"/>
               </a:rPr>
               <a:t>     </a:t>
@@ -7634,8 +7688,8 @@
                 <a:solidFill>
                   <a:schemeClr val="bg1"/>
                 </a:solidFill>
-                <a:latin typeface="微软雅黑" panose="020B0503020204020204" charset="-122"/>
-                <a:ea typeface="微软雅黑" panose="020B0503020204020204" charset="-122"/>
+                <a:latin typeface="微软雅黑" charset="-122"/>
+                <a:ea typeface="微软雅黑" charset="-122"/>
                 <a:sym typeface="+mn-ea"/>
               </a:rPr>
               <a:t>micro:bit t</a:t>
@@ -7645,8 +7699,8 @@
                 <a:solidFill>
                   <a:schemeClr val="bg1"/>
                 </a:solidFill>
-                <a:latin typeface="微软雅黑" panose="020B0503020204020204" charset="-122"/>
-                <a:ea typeface="微软雅黑" panose="020B0503020204020204" charset="-122"/>
+                <a:latin typeface="微软雅黑" charset="-122"/>
+                <a:ea typeface="微软雅黑" charset="-122"/>
                 <a:sym typeface="+mn-ea"/>
               </a:rPr>
               <a:t>utorial</a:t>
@@ -7655,8 +7709,8 @@
               <a:solidFill>
                 <a:schemeClr val="bg1"/>
               </a:solidFill>
-              <a:latin typeface="微软雅黑" panose="020B0503020204020204" charset="-122"/>
-              <a:ea typeface="微软雅黑" panose="020B0503020204020204" charset="-122"/>
+              <a:latin typeface="微软雅黑" charset="-122"/>
+              <a:ea typeface="微软雅黑" charset="-122"/>
               <a:sym typeface="+mn-ea"/>
             </a:endParaRPr>
           </a:p>
@@ -8332,7 +8386,7 @@
                   <a:schemeClr val="accent2"/>
                 </a:solidFill>
                 <a:latin typeface="+mn-lt"/>
-                <a:ea typeface="微软雅黑" panose="020B0503020204020204" charset="-122"/>
+                <a:ea typeface="微软雅黑" charset="-122"/>
                 <a:cs typeface="+mn-lt"/>
               </a:rPr>
               <a:t>micro:bit p</a:t>
@@ -8343,7 +8397,7 @@
                   <a:schemeClr val="accent2"/>
                 </a:solidFill>
                 <a:latin typeface="+mn-lt"/>
-                <a:ea typeface="微软雅黑" panose="020B0503020204020204" charset="-122"/>
+                <a:ea typeface="微软雅黑" charset="-122"/>
                 <a:cs typeface="+mn-lt"/>
               </a:rPr>
               <a:t>rogramming tutorial</a:t>
@@ -8353,7 +8407,7 @@
                 <a:schemeClr val="accent2"/>
               </a:solidFill>
               <a:latin typeface="+mn-lt"/>
-              <a:ea typeface="微软雅黑" panose="020B0503020204020204" charset="-122"/>
+              <a:ea typeface="微软雅黑" charset="-122"/>
               <a:cs typeface="+mn-lt"/>
             </a:endParaRPr>
           </a:p>
@@ -8754,8 +8808,8 @@
                 <a:solidFill>
                   <a:schemeClr val="bg1"/>
                 </a:solidFill>
-                <a:latin typeface="微软雅黑" panose="020B0503020204020204" charset="-122"/>
-                <a:ea typeface="微软雅黑" panose="020B0503020204020204" charset="-122"/>
+                <a:latin typeface="微软雅黑" charset="-122"/>
+                <a:ea typeface="微软雅黑" charset="-122"/>
                 <a:sym typeface="+mn-ea"/>
               </a:rPr>
               <a:t> Yahboom</a:t>
@@ -8765,8 +8819,8 @@
                 <a:solidFill>
                   <a:schemeClr val="bg1"/>
                 </a:solidFill>
-                <a:latin typeface="微软雅黑" panose="020B0503020204020204" charset="-122"/>
-                <a:ea typeface="微软雅黑" panose="020B0503020204020204" charset="-122"/>
+                <a:latin typeface="微软雅黑" charset="-122"/>
+                <a:ea typeface="微软雅黑" charset="-122"/>
                 <a:sym typeface="+mn-ea"/>
               </a:rPr>
               <a:t>     </a:t>
@@ -8776,8 +8830,8 @@
                 <a:solidFill>
                   <a:schemeClr val="bg1"/>
                 </a:solidFill>
-                <a:latin typeface="微软雅黑" panose="020B0503020204020204" charset="-122"/>
-                <a:ea typeface="微软雅黑" panose="020B0503020204020204" charset="-122"/>
+                <a:latin typeface="微软雅黑" charset="-122"/>
+                <a:ea typeface="微软雅黑" charset="-122"/>
                 <a:sym typeface="+mn-ea"/>
               </a:rPr>
               <a:t>micro:bit t</a:t>
@@ -8787,8 +8841,8 @@
                 <a:solidFill>
                   <a:schemeClr val="bg1"/>
                 </a:solidFill>
-                <a:latin typeface="微软雅黑" panose="020B0503020204020204" charset="-122"/>
-                <a:ea typeface="微软雅黑" panose="020B0503020204020204" charset="-122"/>
+                <a:latin typeface="微软雅黑" charset="-122"/>
+                <a:ea typeface="微软雅黑" charset="-122"/>
                 <a:sym typeface="+mn-ea"/>
               </a:rPr>
               <a:t>utorial</a:t>
@@ -8797,8 +8851,8 @@
               <a:solidFill>
                 <a:schemeClr val="bg1"/>
               </a:solidFill>
-              <a:latin typeface="微软雅黑" panose="020B0503020204020204" charset="-122"/>
-              <a:ea typeface="微软雅黑" panose="020B0503020204020204" charset="-122"/>
+              <a:latin typeface="微软雅黑" charset="-122"/>
+              <a:ea typeface="微软雅黑" charset="-122"/>
               <a:sym typeface="+mn-ea"/>
             </a:endParaRPr>
           </a:p>
@@ -9392,8 +9446,8 @@
                     </a:srgbClr>
                   </a:outerShdw>
                 </a:effectLst>
-                <a:latin typeface="Arial" panose="020B0604020202020204" pitchFamily="34" charset="0"/>
-                <a:ea typeface="Arial" panose="020B0604020202020204" pitchFamily="34" charset="0"/>
+                <a:latin typeface="Arial" pitchFamily="34" charset="0"/>
+                <a:ea typeface="Arial" pitchFamily="34" charset="0"/>
                 <a:sym typeface="+mn-ea"/>
               </a:rPr>
               <a:t>Hardware</a:t>
@@ -9455,8 +9509,8 @@
                     </a:srgbClr>
                   </a:outerShdw>
                 </a:effectLst>
-                <a:latin typeface="Arial" panose="020B0604020202020204" pitchFamily="34" charset="0"/>
-                <a:ea typeface="Arial" panose="020B0604020202020204" pitchFamily="34" charset="0"/>
+                <a:latin typeface="Arial" pitchFamily="34" charset="0"/>
+                <a:ea typeface="Arial" pitchFamily="34" charset="0"/>
               </a:rPr>
               <a:t>● </a:t>
             </a:r>
@@ -9472,8 +9526,8 @@
                     </a:srgbClr>
                   </a:outerShdw>
                 </a:effectLst>
-                <a:latin typeface="Arial" panose="020B0604020202020204" pitchFamily="34" charset="0"/>
-                <a:ea typeface="Arial" panose="020B0604020202020204" pitchFamily="34" charset="0"/>
+                <a:latin typeface="Arial" pitchFamily="34" charset="0"/>
+                <a:ea typeface="Arial" pitchFamily="34" charset="0"/>
                 <a:sym typeface="+mn-ea"/>
               </a:rPr>
               <a:t>1 X micro:bit Game Handle</a:t>
@@ -9489,8 +9543,8 @@
                   </a:srgbClr>
                 </a:outerShdw>
               </a:effectLst>
-              <a:latin typeface="Arial" panose="020B0604020202020204" pitchFamily="34" charset="0"/>
-              <a:ea typeface="Arial" panose="020B0604020202020204" pitchFamily="34" charset="0"/>
+              <a:latin typeface="Arial" pitchFamily="34" charset="0"/>
+              <a:ea typeface="Arial" pitchFamily="34" charset="0"/>
             </a:endParaRPr>
           </a:p>
           <a:p>
@@ -9506,8 +9560,8 @@
                     </a:srgbClr>
                   </a:outerShdw>
                 </a:effectLst>
-                <a:latin typeface="Arial" panose="020B0604020202020204" pitchFamily="34" charset="0"/>
-                <a:ea typeface="Arial" panose="020B0604020202020204" pitchFamily="34" charset="0"/>
+                <a:latin typeface="Arial" pitchFamily="34" charset="0"/>
+                <a:ea typeface="Arial" pitchFamily="34" charset="0"/>
                 <a:sym typeface="+mn-ea"/>
               </a:rPr>
               <a:t>● 1 X Micro USB Cable</a:t>
@@ -9518,9 +9572,9 @@
                   <a:lumMod val="75000"/>
                 </a:schemeClr>
               </a:solidFill>
-              <a:latin typeface="宋体" panose="02010600030101010101" pitchFamily="2" charset="-122"/>
-              <a:ea typeface="宋体" panose="02010600030101010101" pitchFamily="2" charset="-122"/>
-              <a:cs typeface="宋体" panose="02010600030101010101" pitchFamily="2" charset="-122"/>
+              <a:latin typeface="宋体" pitchFamily="2" charset="-122"/>
+              <a:ea typeface="宋体" pitchFamily="2" charset="-122"/>
+              <a:cs typeface="宋体" pitchFamily="2" charset="-122"/>
             </a:endParaRPr>
           </a:p>
           <a:p>
@@ -9530,8 +9584,8 @@
                   <a:lumMod val="75000"/>
                 </a:schemeClr>
               </a:solidFill>
-              <a:latin typeface="宋体" panose="02010600030101010101" pitchFamily="2" charset="-122"/>
-              <a:ea typeface="宋体" panose="02010600030101010101" pitchFamily="2" charset="-122"/>
+              <a:latin typeface="宋体" pitchFamily="2" charset="-122"/>
+              <a:ea typeface="宋体" pitchFamily="2" charset="-122"/>
             </a:endParaRPr>
           </a:p>
         </p:txBody>
@@ -9561,7 +9615,7 @@
                   <a:schemeClr val="accent2"/>
                 </a:solidFill>
                 <a:latin typeface="+mn-lt"/>
-                <a:ea typeface="微软雅黑" panose="020B0503020204020204" charset="-122"/>
+                <a:ea typeface="微软雅黑" charset="-122"/>
                 <a:cs typeface="+mn-lt"/>
               </a:rPr>
               <a:t>micro:bit p</a:t>
@@ -9572,7 +9626,7 @@
                   <a:schemeClr val="accent2"/>
                 </a:solidFill>
                 <a:latin typeface="+mn-lt"/>
-                <a:ea typeface="微软雅黑" panose="020B0503020204020204" charset="-122"/>
+                <a:ea typeface="微软雅黑" charset="-122"/>
                 <a:cs typeface="+mn-lt"/>
               </a:rPr>
               <a:t>rogramming tutorial</a:t>
@@ -9582,7 +9636,7 @@
                 <a:schemeClr val="accent2"/>
               </a:solidFill>
               <a:latin typeface="+mn-lt"/>
-              <a:ea typeface="微软雅黑" panose="020B0503020204020204" charset="-122"/>
+              <a:ea typeface="微软雅黑" charset="-122"/>
               <a:cs typeface="+mn-lt"/>
             </a:endParaRPr>
           </a:p>
@@ -9983,8 +10037,8 @@
                 <a:solidFill>
                   <a:schemeClr val="bg1"/>
                 </a:solidFill>
-                <a:latin typeface="微软雅黑" panose="020B0503020204020204" charset="-122"/>
-                <a:ea typeface="微软雅黑" panose="020B0503020204020204" charset="-122"/>
+                <a:latin typeface="微软雅黑" charset="-122"/>
+                <a:ea typeface="微软雅黑" charset="-122"/>
                 <a:sym typeface="+mn-ea"/>
               </a:rPr>
               <a:t> Yahboom</a:t>
@@ -9994,8 +10048,8 @@
                 <a:solidFill>
                   <a:schemeClr val="bg1"/>
                 </a:solidFill>
-                <a:latin typeface="微软雅黑" panose="020B0503020204020204" charset="-122"/>
-                <a:ea typeface="微软雅黑" panose="020B0503020204020204" charset="-122"/>
+                <a:latin typeface="微软雅黑" charset="-122"/>
+                <a:ea typeface="微软雅黑" charset="-122"/>
                 <a:sym typeface="+mn-ea"/>
               </a:rPr>
               <a:t>     </a:t>
@@ -10005,8 +10059,8 @@
                 <a:solidFill>
                   <a:schemeClr val="bg1"/>
                 </a:solidFill>
-                <a:latin typeface="微软雅黑" panose="020B0503020204020204" charset="-122"/>
-                <a:ea typeface="微软雅黑" panose="020B0503020204020204" charset="-122"/>
+                <a:latin typeface="微软雅黑" charset="-122"/>
+                <a:ea typeface="微软雅黑" charset="-122"/>
                 <a:sym typeface="+mn-ea"/>
               </a:rPr>
               <a:t>micro:bit t</a:t>
@@ -10016,8 +10070,8 @@
                 <a:solidFill>
                   <a:schemeClr val="bg1"/>
                 </a:solidFill>
-                <a:latin typeface="微软雅黑" panose="020B0503020204020204" charset="-122"/>
-                <a:ea typeface="微软雅黑" panose="020B0503020204020204" charset="-122"/>
+                <a:latin typeface="微软雅黑" charset="-122"/>
+                <a:ea typeface="微软雅黑" charset="-122"/>
                 <a:sym typeface="+mn-ea"/>
               </a:rPr>
               <a:t>utorial</a:t>
@@ -10026,8 +10080,8 @@
               <a:solidFill>
                 <a:schemeClr val="bg1"/>
               </a:solidFill>
-              <a:latin typeface="微软雅黑" panose="020B0503020204020204" charset="-122"/>
-              <a:ea typeface="微软雅黑" panose="020B0503020204020204" charset="-122"/>
+              <a:latin typeface="微软雅黑" charset="-122"/>
+              <a:ea typeface="微软雅黑" charset="-122"/>
               <a:sym typeface="+mn-ea"/>
             </a:endParaRPr>
           </a:p>
@@ -10622,20 +10676,20 @@
                 <a:solidFill>
                   <a:srgbClr val="FF0000"/>
                 </a:solidFill>
-                <a:ea typeface="宋体" panose="02010600030101010101" pitchFamily="2" charset="-122"/>
+                <a:ea typeface="宋体" pitchFamily="2" charset="-122"/>
                 <a:cs typeface="+mn-lt"/>
               </a:rPr>
               <a:t>1.Online:  </a:t>
             </a:r>
             <a:r>
               <a:rPr sz="3200" baseline="-25000" dirty="0">
-                <a:ea typeface="宋体" panose="02010600030101010101" pitchFamily="2" charset="-122"/>
+                <a:ea typeface="宋体" pitchFamily="2" charset="-122"/>
               </a:rPr>
               <a:t>Connect Micro:bit to the computer via USB cable, and the computer will pop up a U disk and click the URL in the U disk to enter the programming interface.</a:t>
             </a:r>
             <a:r>
               <a:rPr sz="3200" baseline="-25000" dirty="0">
-                <a:ea typeface="宋体" panose="02010600030101010101" pitchFamily="2" charset="-122"/>
+                <a:ea typeface="宋体" pitchFamily="2" charset="-122"/>
                 <a:sym typeface="+mn-ea"/>
               </a:rPr>
               <a:t>Enter this URL </a:t>
@@ -10645,27 +10699,27 @@
                 <a:solidFill>
                   <a:srgbClr val="FF0000"/>
                 </a:solidFill>
-                <a:ea typeface="宋体" panose="02010600030101010101" pitchFamily="2" charset="-122"/>
+                <a:ea typeface="宋体" pitchFamily="2" charset="-122"/>
                 <a:sym typeface="+mn-ea"/>
               </a:rPr>
               <a:t>https://github.com/lzty634158/GHBit</a:t>
             </a:r>
             <a:r>
               <a:rPr sz="3200" baseline="-25000" dirty="0">
-                <a:ea typeface="宋体" panose="02010600030101010101" pitchFamily="2" charset="-122"/>
+                <a:ea typeface="宋体" pitchFamily="2" charset="-122"/>
                 <a:sym typeface="+mn-ea"/>
               </a:rPr>
               <a:t> to get the package named GHBit</a:t>
             </a:r>
             <a:r>
               <a:rPr lang="en-US" sz="3200" baseline="-25000" dirty="0">
-                <a:ea typeface="宋体" panose="02010600030101010101" pitchFamily="2" charset="-122"/>
+                <a:ea typeface="宋体" pitchFamily="2" charset="-122"/>
                 <a:sym typeface="+mn-ea"/>
               </a:rPr>
               <a:t>.</a:t>
             </a:r>
             <a:endParaRPr lang="en-US" sz="3200" baseline="-25000" dirty="0">
-              <a:ea typeface="宋体" panose="02010600030101010101" pitchFamily="2" charset="-122"/>
+              <a:ea typeface="宋体" pitchFamily="2" charset="-122"/>
               <a:sym typeface="+mn-ea"/>
             </a:endParaRPr>
           </a:p>
@@ -10675,8 +10729,8 @@
               <a:solidFill>
                 <a:schemeClr val="tx1"/>
               </a:solidFill>
-              <a:latin typeface="宋体" panose="02010600030101010101" pitchFamily="2" charset="-122"/>
-              <a:ea typeface="宋体" panose="02010600030101010101" pitchFamily="2" charset="-122"/>
+              <a:latin typeface="宋体" pitchFamily="2" charset="-122"/>
+              <a:ea typeface="宋体" pitchFamily="2" charset="-122"/>
             </a:endParaRPr>
           </a:p>
           <a:p>
@@ -10685,7 +10739,7 @@
                 <a:solidFill>
                   <a:srgbClr val="FF0000"/>
                 </a:solidFill>
-                <a:ea typeface="宋体" panose="02010600030101010101" pitchFamily="2" charset="-122"/>
+                <a:ea typeface="宋体" pitchFamily="2" charset="-122"/>
                 <a:cs typeface="+mn-lt"/>
               </a:rPr>
               <a:t>2.offline：</a:t>
@@ -10695,14 +10749,14 @@
                 <a:solidFill>
                   <a:schemeClr val="tx1"/>
                 </a:solidFill>
-                <a:ea typeface="宋体" panose="02010600030101010101" pitchFamily="2" charset="-122"/>
+                <a:ea typeface="宋体" pitchFamily="2" charset="-122"/>
                 <a:cs typeface="+mn-lt"/>
               </a:rPr>
               <a:t>Open micro:bit offline programming software and add GHBit package.Click on "Advanced" and select "Add Package".</a:t>
             </a:r>
             <a:r>
               <a:rPr sz="3200" baseline="-25000" dirty="0">
-                <a:ea typeface="宋体" panose="02010600030101010101" pitchFamily="2" charset="-122"/>
+                <a:ea typeface="宋体" pitchFamily="2" charset="-122"/>
               </a:rPr>
               <a:t>Enter this URL </a:t>
             </a:r>
@@ -10711,40 +10765,40 @@
                 <a:solidFill>
                   <a:srgbClr val="FF0000"/>
                 </a:solidFill>
-                <a:ea typeface="宋体" panose="02010600030101010101" pitchFamily="2" charset="-122"/>
+                <a:ea typeface="宋体" pitchFamily="2" charset="-122"/>
               </a:rPr>
               <a:t>https://github.com/lzty634158/GHBit</a:t>
             </a:r>
             <a:r>
               <a:rPr sz="3200" baseline="-25000" dirty="0">
-                <a:ea typeface="宋体" panose="02010600030101010101" pitchFamily="2" charset="-122"/>
+                <a:ea typeface="宋体" pitchFamily="2" charset="-122"/>
               </a:rPr>
               <a:t> to get the package named GHBit</a:t>
             </a:r>
             <a:r>
               <a:rPr lang="en-US" sz="3200" baseline="-25000" dirty="0">
-                <a:ea typeface="宋体" panose="02010600030101010101" pitchFamily="2" charset="-122"/>
+                <a:ea typeface="宋体" pitchFamily="2" charset="-122"/>
               </a:rPr>
               <a:t>.</a:t>
             </a:r>
             <a:endParaRPr lang="en-US" sz="3200" baseline="-25000" dirty="0">
-              <a:ea typeface="宋体" panose="02010600030101010101" pitchFamily="2" charset="-122"/>
+              <a:ea typeface="宋体" pitchFamily="2" charset="-122"/>
             </a:endParaRPr>
           </a:p>
           <a:p>
             <a:endParaRPr lang="en-US" sz="3200" baseline="-25000" dirty="0">
-              <a:ea typeface="宋体" panose="02010600030101010101" pitchFamily="2" charset="-122"/>
+              <a:ea typeface="宋体" pitchFamily="2" charset="-122"/>
             </a:endParaRPr>
           </a:p>
           <a:p>
             <a:r>
               <a:rPr lang="en-US" sz="3200" baseline="-25000" dirty="0">
-                <a:ea typeface="宋体" panose="02010600030101010101" pitchFamily="2" charset="-122"/>
+                <a:ea typeface="宋体" pitchFamily="2" charset="-122"/>
               </a:rPr>
               <a:t>Note: If you already have a GHBit package, you don't need to add it repeatedly.</a:t>
             </a:r>
             <a:endParaRPr lang="en-US" sz="3200" baseline="-25000" dirty="0">
-              <a:ea typeface="宋体" panose="02010600030101010101" pitchFamily="2" charset="-122"/>
+              <a:ea typeface="宋体" pitchFamily="2" charset="-122"/>
             </a:endParaRPr>
           </a:p>
         </p:txBody>
@@ -10784,8 +10838,8 @@
                     </a:srgbClr>
                   </a:outerShdw>
                 </a:effectLst>
-                <a:latin typeface="Arial" panose="020B0604020202020204" pitchFamily="34" charset="0"/>
-                <a:ea typeface="Arial" panose="020B0604020202020204" pitchFamily="34" charset="0"/>
+                <a:latin typeface="Arial" pitchFamily="34" charset="0"/>
+                <a:ea typeface="Arial" pitchFamily="34" charset="0"/>
               </a:rPr>
               <a:t>Two programming methods</a:t>
             </a:r>
@@ -10802,8 +10856,8 @@
                   </a:srgbClr>
                 </a:outerShdw>
               </a:effectLst>
-              <a:latin typeface="Arial" panose="020B0604020202020204" pitchFamily="34" charset="0"/>
-              <a:ea typeface="Arial" panose="020B0604020202020204" pitchFamily="34" charset="0"/>
+              <a:latin typeface="Arial" pitchFamily="34" charset="0"/>
+              <a:ea typeface="Arial" pitchFamily="34" charset="0"/>
             </a:endParaRPr>
           </a:p>
         </p:txBody>
@@ -10833,7 +10887,7 @@
                   <a:schemeClr val="accent2"/>
                 </a:solidFill>
                 <a:latin typeface="+mn-lt"/>
-                <a:ea typeface="微软雅黑" panose="020B0503020204020204" charset="-122"/>
+                <a:ea typeface="微软雅黑" charset="-122"/>
                 <a:cs typeface="+mn-lt"/>
               </a:rPr>
               <a:t>micro:bit p</a:t>
@@ -10844,7 +10898,7 @@
                   <a:schemeClr val="accent2"/>
                 </a:solidFill>
                 <a:latin typeface="+mn-lt"/>
-                <a:ea typeface="微软雅黑" panose="020B0503020204020204" charset="-122"/>
+                <a:ea typeface="微软雅黑" charset="-122"/>
                 <a:cs typeface="+mn-lt"/>
               </a:rPr>
               <a:t>rogramming tutorial</a:t>
@@ -10854,7 +10908,7 @@
                 <a:schemeClr val="accent2"/>
               </a:solidFill>
               <a:latin typeface="+mn-lt"/>
-              <a:ea typeface="微软雅黑" panose="020B0503020204020204" charset="-122"/>
+              <a:ea typeface="微软雅黑" charset="-122"/>
               <a:cs typeface="+mn-lt"/>
             </a:endParaRPr>
           </a:p>
@@ -11255,8 +11309,8 @@
                 <a:solidFill>
                   <a:schemeClr val="bg1"/>
                 </a:solidFill>
-                <a:latin typeface="微软雅黑" panose="020B0503020204020204" charset="-122"/>
-                <a:ea typeface="微软雅黑" panose="020B0503020204020204" charset="-122"/>
+                <a:latin typeface="微软雅黑" charset="-122"/>
+                <a:ea typeface="微软雅黑" charset="-122"/>
                 <a:sym typeface="+mn-ea"/>
               </a:rPr>
               <a:t> Yahboom</a:t>
@@ -11266,8 +11320,8 @@
                 <a:solidFill>
                   <a:schemeClr val="bg1"/>
                 </a:solidFill>
-                <a:latin typeface="微软雅黑" panose="020B0503020204020204" charset="-122"/>
-                <a:ea typeface="微软雅黑" panose="020B0503020204020204" charset="-122"/>
+                <a:latin typeface="微软雅黑" charset="-122"/>
+                <a:ea typeface="微软雅黑" charset="-122"/>
                 <a:sym typeface="+mn-ea"/>
               </a:rPr>
               <a:t>     </a:t>
@@ -11277,8 +11331,8 @@
                 <a:solidFill>
                   <a:schemeClr val="bg1"/>
                 </a:solidFill>
-                <a:latin typeface="微软雅黑" panose="020B0503020204020204" charset="-122"/>
-                <a:ea typeface="微软雅黑" panose="020B0503020204020204" charset="-122"/>
+                <a:latin typeface="微软雅黑" charset="-122"/>
+                <a:ea typeface="微软雅黑" charset="-122"/>
                 <a:sym typeface="+mn-ea"/>
               </a:rPr>
               <a:t>micro:bit t</a:t>
@@ -11288,8 +11342,8 @@
                 <a:solidFill>
                   <a:schemeClr val="bg1"/>
                 </a:solidFill>
-                <a:latin typeface="微软雅黑" panose="020B0503020204020204" charset="-122"/>
-                <a:ea typeface="微软雅黑" panose="020B0503020204020204" charset="-122"/>
+                <a:latin typeface="微软雅黑" charset="-122"/>
+                <a:ea typeface="微软雅黑" charset="-122"/>
                 <a:sym typeface="+mn-ea"/>
               </a:rPr>
               <a:t>utorial</a:t>
@@ -11298,8 +11352,8 @@
               <a:solidFill>
                 <a:schemeClr val="bg1"/>
               </a:solidFill>
-              <a:latin typeface="微软雅黑" panose="020B0503020204020204" charset="-122"/>
-              <a:ea typeface="微软雅黑" panose="020B0503020204020204" charset="-122"/>
+              <a:latin typeface="微软雅黑" charset="-122"/>
+              <a:ea typeface="微软雅黑" charset="-122"/>
               <a:sym typeface="+mn-ea"/>
             </a:endParaRPr>
           </a:p>
@@ -11902,7 +11956,7 @@
                   <a:schemeClr val="accent2"/>
                 </a:solidFill>
                 <a:latin typeface="+mn-lt"/>
-                <a:ea typeface="微软雅黑" panose="020B0503020204020204" charset="-122"/>
+                <a:ea typeface="微软雅黑" charset="-122"/>
                 <a:cs typeface="+mn-lt"/>
               </a:rPr>
               <a:t>micro:bit p</a:t>
@@ -11913,7 +11967,7 @@
                   <a:schemeClr val="accent2"/>
                 </a:solidFill>
                 <a:latin typeface="+mn-lt"/>
-                <a:ea typeface="微软雅黑" panose="020B0503020204020204" charset="-122"/>
+                <a:ea typeface="微软雅黑" charset="-122"/>
                 <a:cs typeface="+mn-lt"/>
               </a:rPr>
               <a:t>rogramming tutorial</a:t>
@@ -11923,7 +11977,7 @@
                 <a:schemeClr val="accent2"/>
               </a:solidFill>
               <a:latin typeface="+mn-lt"/>
-              <a:ea typeface="微软雅黑" panose="020B0503020204020204" charset="-122"/>
+              <a:ea typeface="微软雅黑" charset="-122"/>
               <a:cs typeface="+mn-lt"/>
             </a:endParaRPr>
           </a:p>
@@ -12324,8 +12378,8 @@
                 <a:solidFill>
                   <a:schemeClr val="bg1"/>
                 </a:solidFill>
-                <a:latin typeface="微软雅黑" panose="020B0503020204020204" charset="-122"/>
-                <a:ea typeface="微软雅黑" panose="020B0503020204020204" charset="-122"/>
+                <a:latin typeface="微软雅黑" charset="-122"/>
+                <a:ea typeface="微软雅黑" charset="-122"/>
                 <a:sym typeface="+mn-ea"/>
               </a:rPr>
               <a:t> Yahboom</a:t>
@@ -12335,8 +12389,8 @@
                 <a:solidFill>
                   <a:schemeClr val="bg1"/>
                 </a:solidFill>
-                <a:latin typeface="微软雅黑" panose="020B0503020204020204" charset="-122"/>
-                <a:ea typeface="微软雅黑" panose="020B0503020204020204" charset="-122"/>
+                <a:latin typeface="微软雅黑" charset="-122"/>
+                <a:ea typeface="微软雅黑" charset="-122"/>
                 <a:sym typeface="+mn-ea"/>
               </a:rPr>
               <a:t>     </a:t>
@@ -12346,8 +12400,8 @@
                 <a:solidFill>
                   <a:schemeClr val="bg1"/>
                 </a:solidFill>
-                <a:latin typeface="微软雅黑" panose="020B0503020204020204" charset="-122"/>
-                <a:ea typeface="微软雅黑" panose="020B0503020204020204" charset="-122"/>
+                <a:latin typeface="微软雅黑" charset="-122"/>
+                <a:ea typeface="微软雅黑" charset="-122"/>
                 <a:sym typeface="+mn-ea"/>
               </a:rPr>
               <a:t>micro:bit t</a:t>
@@ -12357,8 +12411,8 @@
                 <a:solidFill>
                   <a:schemeClr val="bg1"/>
                 </a:solidFill>
-                <a:latin typeface="微软雅黑" panose="020B0503020204020204" charset="-122"/>
-                <a:ea typeface="微软雅黑" panose="020B0503020204020204" charset="-122"/>
+                <a:latin typeface="微软雅黑" charset="-122"/>
+                <a:ea typeface="微软雅黑" charset="-122"/>
                 <a:sym typeface="+mn-ea"/>
               </a:rPr>
               <a:t>utorial</a:t>
@@ -12367,8 +12421,8 @@
               <a:solidFill>
                 <a:schemeClr val="bg1"/>
               </a:solidFill>
-              <a:latin typeface="微软雅黑" panose="020B0503020204020204" charset="-122"/>
-              <a:ea typeface="微软雅黑" panose="020B0503020204020204" charset="-122"/>
+              <a:latin typeface="微软雅黑" charset="-122"/>
+              <a:ea typeface="微软雅黑" charset="-122"/>
               <a:sym typeface="+mn-ea"/>
             </a:endParaRPr>
           </a:p>
@@ -13021,7 +13075,7 @@
                   <a:schemeClr val="accent2"/>
                 </a:solidFill>
                 <a:latin typeface="+mn-lt"/>
-                <a:ea typeface="微软雅黑" panose="020B0503020204020204" charset="-122"/>
+                <a:ea typeface="微软雅黑" charset="-122"/>
                 <a:cs typeface="+mn-lt"/>
               </a:rPr>
               <a:t>micro:bit p</a:t>
@@ -13032,7 +13086,7 @@
                   <a:schemeClr val="accent2"/>
                 </a:solidFill>
                 <a:latin typeface="+mn-lt"/>
-                <a:ea typeface="微软雅黑" panose="020B0503020204020204" charset="-122"/>
+                <a:ea typeface="微软雅黑" charset="-122"/>
                 <a:cs typeface="+mn-lt"/>
               </a:rPr>
               <a:t>rogramming tutorial</a:t>
@@ -13042,7 +13096,7 @@
                 <a:schemeClr val="accent2"/>
               </a:solidFill>
               <a:latin typeface="+mn-lt"/>
-              <a:ea typeface="微软雅黑" panose="020B0503020204020204" charset="-122"/>
+              <a:ea typeface="微软雅黑" charset="-122"/>
               <a:cs typeface="+mn-lt"/>
             </a:endParaRPr>
           </a:p>
@@ -13443,8 +13497,8 @@
                 <a:solidFill>
                   <a:schemeClr val="bg1"/>
                 </a:solidFill>
-                <a:latin typeface="微软雅黑" panose="020B0503020204020204" charset="-122"/>
-                <a:ea typeface="微软雅黑" panose="020B0503020204020204" charset="-122"/>
+                <a:latin typeface="微软雅黑" charset="-122"/>
+                <a:ea typeface="微软雅黑" charset="-122"/>
                 <a:sym typeface="+mn-ea"/>
               </a:rPr>
               <a:t> Yahboom</a:t>
@@ -13454,8 +13508,8 @@
                 <a:solidFill>
                   <a:schemeClr val="bg1"/>
                 </a:solidFill>
-                <a:latin typeface="微软雅黑" panose="020B0503020204020204" charset="-122"/>
-                <a:ea typeface="微软雅黑" panose="020B0503020204020204" charset="-122"/>
+                <a:latin typeface="微软雅黑" charset="-122"/>
+                <a:ea typeface="微软雅黑" charset="-122"/>
                 <a:sym typeface="+mn-ea"/>
               </a:rPr>
               <a:t>     </a:t>
@@ -13465,8 +13519,8 @@
                 <a:solidFill>
                   <a:schemeClr val="bg1"/>
                 </a:solidFill>
-                <a:latin typeface="微软雅黑" panose="020B0503020204020204" charset="-122"/>
-                <a:ea typeface="微软雅黑" panose="020B0503020204020204" charset="-122"/>
+                <a:latin typeface="微软雅黑" charset="-122"/>
+                <a:ea typeface="微软雅黑" charset="-122"/>
                 <a:sym typeface="+mn-ea"/>
               </a:rPr>
               <a:t>micro:bit t</a:t>
@@ -13476,8 +13530,8 @@
                 <a:solidFill>
                   <a:schemeClr val="bg1"/>
                 </a:solidFill>
-                <a:latin typeface="微软雅黑" panose="020B0503020204020204" charset="-122"/>
-                <a:ea typeface="微软雅黑" panose="020B0503020204020204" charset="-122"/>
+                <a:latin typeface="微软雅黑" charset="-122"/>
+                <a:ea typeface="微软雅黑" charset="-122"/>
                 <a:sym typeface="+mn-ea"/>
               </a:rPr>
               <a:t>utorial</a:t>
@@ -13486,8 +13540,8 @@
               <a:solidFill>
                 <a:schemeClr val="bg1"/>
               </a:solidFill>
-              <a:latin typeface="微软雅黑" panose="020B0503020204020204" charset="-122"/>
-              <a:ea typeface="微软雅黑" panose="020B0503020204020204" charset="-122"/>
+              <a:latin typeface="微软雅黑" charset="-122"/>
+              <a:ea typeface="微软雅黑" charset="-122"/>
               <a:sym typeface="+mn-ea"/>
             </a:endParaRPr>
           </a:p>
@@ -13546,8 +13600,8 @@
                     <a:lumMod val="75000"/>
                   </a:schemeClr>
                 </a:solidFill>
-                <a:latin typeface="微软雅黑 Light" panose="020B0502040204020203" charset="-122"/>
-                <a:ea typeface="微软雅黑 Light" panose="020B0502040204020203" charset="-122"/>
+                <a:latin typeface="微软雅黑 Light" charset="-122"/>
+                <a:ea typeface="微软雅黑 Light" charset="-122"/>
               </a:rPr>
               <a:t>     </a:t>
             </a:r>
@@ -14238,7 +14292,7 @@
                   <a:schemeClr val="accent2"/>
                 </a:solidFill>
                 <a:latin typeface="+mn-lt"/>
-                <a:ea typeface="微软雅黑" panose="020B0503020204020204" charset="-122"/>
+                <a:ea typeface="微软雅黑" charset="-122"/>
                 <a:cs typeface="+mn-lt"/>
               </a:rPr>
               <a:t>micro:bit p</a:t>
@@ -14249,7 +14303,7 @@
                   <a:schemeClr val="accent2"/>
                 </a:solidFill>
                 <a:latin typeface="+mn-lt"/>
-                <a:ea typeface="微软雅黑" panose="020B0503020204020204" charset="-122"/>
+                <a:ea typeface="微软雅黑" charset="-122"/>
                 <a:cs typeface="+mn-lt"/>
               </a:rPr>
               <a:t>rogramming tutorial</a:t>
@@ -14259,7 +14313,7 @@
                 <a:schemeClr val="accent2"/>
               </a:solidFill>
               <a:latin typeface="+mn-lt"/>
-              <a:ea typeface="微软雅黑" panose="020B0503020204020204" charset="-122"/>
+              <a:ea typeface="微软雅黑" charset="-122"/>
               <a:cs typeface="+mn-lt"/>
             </a:endParaRPr>
           </a:p>
@@ -14660,8 +14714,8 @@
                 <a:solidFill>
                   <a:schemeClr val="bg1"/>
                 </a:solidFill>
-                <a:latin typeface="微软雅黑" panose="020B0503020204020204" charset="-122"/>
-                <a:ea typeface="微软雅黑" panose="020B0503020204020204" charset="-122"/>
+                <a:latin typeface="微软雅黑" charset="-122"/>
+                <a:ea typeface="微软雅黑" charset="-122"/>
                 <a:sym typeface="+mn-ea"/>
               </a:rPr>
               <a:t> Yahboom</a:t>
@@ -14671,8 +14725,8 @@
                 <a:solidFill>
                   <a:schemeClr val="bg1"/>
                 </a:solidFill>
-                <a:latin typeface="微软雅黑" panose="020B0503020204020204" charset="-122"/>
-                <a:ea typeface="微软雅黑" panose="020B0503020204020204" charset="-122"/>
+                <a:latin typeface="微软雅黑" charset="-122"/>
+                <a:ea typeface="微软雅黑" charset="-122"/>
                 <a:sym typeface="+mn-ea"/>
               </a:rPr>
               <a:t>     </a:t>
@@ -14682,8 +14736,8 @@
                 <a:solidFill>
                   <a:schemeClr val="bg1"/>
                 </a:solidFill>
-                <a:latin typeface="微软雅黑" panose="020B0503020204020204" charset="-122"/>
-                <a:ea typeface="微软雅黑" panose="020B0503020204020204" charset="-122"/>
+                <a:latin typeface="微软雅黑" charset="-122"/>
+                <a:ea typeface="微软雅黑" charset="-122"/>
                 <a:sym typeface="+mn-ea"/>
               </a:rPr>
               <a:t>micro:bit t</a:t>
@@ -14693,8 +14747,8 @@
                 <a:solidFill>
                   <a:schemeClr val="bg1"/>
                 </a:solidFill>
-                <a:latin typeface="微软雅黑" panose="020B0503020204020204" charset="-122"/>
-                <a:ea typeface="微软雅黑" panose="020B0503020204020204" charset="-122"/>
+                <a:latin typeface="微软雅黑" charset="-122"/>
+                <a:ea typeface="微软雅黑" charset="-122"/>
                 <a:sym typeface="+mn-ea"/>
               </a:rPr>
               <a:t>utorial</a:t>
@@ -14703,8 +14757,8 @@
               <a:solidFill>
                 <a:schemeClr val="bg1"/>
               </a:solidFill>
-              <a:latin typeface="微软雅黑" panose="020B0503020204020204" charset="-122"/>
-              <a:ea typeface="微软雅黑" panose="020B0503020204020204" charset="-122"/>
+              <a:latin typeface="微软雅黑" charset="-122"/>
+              <a:ea typeface="微软雅黑" charset="-122"/>
               <a:sym typeface="+mn-ea"/>
             </a:endParaRPr>
           </a:p>
@@ -15294,7 +15348,7 @@
                     <a:lumMod val="75000"/>
                   </a:schemeClr>
                 </a:solidFill>
-                <a:ea typeface="微软雅黑 Light" panose="020B0502040204020203" charset="-122"/>
+                <a:ea typeface="微软雅黑 Light" charset="-122"/>
                 <a:cs typeface="+mn-lt"/>
               </a:rPr>
               <a:t>         </a:t>
@@ -15306,7 +15360,7 @@
                     <a:lumMod val="75000"/>
                   </a:schemeClr>
                 </a:solidFill>
-                <a:ea typeface="微软雅黑 Light" panose="020B0502040204020203" charset="-122"/>
+                <a:ea typeface="微软雅黑 Light" charset="-122"/>
                 <a:cs typeface="+mn-lt"/>
               </a:rPr>
               <a:t>Get the distance detected by the ultrasonic sensor</a:t>
@@ -15318,7 +15372,7 @@
                     <a:lumMod val="75000"/>
                   </a:schemeClr>
                 </a:solidFill>
-                <a:ea typeface="微软雅黑 Light" panose="020B0502040204020203" charset="-122"/>
+                <a:ea typeface="微软雅黑 Light" charset="-122"/>
                 <a:cs typeface="+mn-lt"/>
               </a:rPr>
               <a:t>.</a:t>
@@ -15329,7 +15383,7 @@
                   <a:lumMod val="75000"/>
                 </a:schemeClr>
               </a:solidFill>
-              <a:ea typeface="微软雅黑 Light" panose="020B0502040204020203" charset="-122"/>
+              <a:ea typeface="微软雅黑 Light" charset="-122"/>
               <a:cs typeface="+mn-lt"/>
             </a:endParaRPr>
           </a:p>
@@ -15384,7 +15438,7 @@
                   <a:schemeClr val="accent2"/>
                 </a:solidFill>
                 <a:latin typeface="+mn-lt"/>
-                <a:ea typeface="微软雅黑" panose="020B0503020204020204" charset="-122"/>
+                <a:ea typeface="微软雅黑" charset="-122"/>
                 <a:cs typeface="+mn-lt"/>
               </a:rPr>
               <a:t>micro:bit p</a:t>
@@ -15395,7 +15449,7 @@
                   <a:schemeClr val="accent2"/>
                 </a:solidFill>
                 <a:latin typeface="+mn-lt"/>
-                <a:ea typeface="微软雅黑" panose="020B0503020204020204" charset="-122"/>
+                <a:ea typeface="微软雅黑" charset="-122"/>
                 <a:cs typeface="+mn-lt"/>
               </a:rPr>
               <a:t>rogramming tutorial</a:t>
@@ -15405,7 +15459,7 @@
                 <a:schemeClr val="accent2"/>
               </a:solidFill>
               <a:latin typeface="+mn-lt"/>
-              <a:ea typeface="微软雅黑" panose="020B0503020204020204" charset="-122"/>
+              <a:ea typeface="微软雅黑" charset="-122"/>
               <a:cs typeface="+mn-lt"/>
             </a:endParaRPr>
           </a:p>
@@ -15806,8 +15860,8 @@
                 <a:solidFill>
                   <a:schemeClr val="bg1"/>
                 </a:solidFill>
-                <a:latin typeface="微软雅黑" panose="020B0503020204020204" charset="-122"/>
-                <a:ea typeface="微软雅黑" panose="020B0503020204020204" charset="-122"/>
+                <a:latin typeface="微软雅黑" charset="-122"/>
+                <a:ea typeface="微软雅黑" charset="-122"/>
                 <a:sym typeface="+mn-ea"/>
               </a:rPr>
               <a:t> Yahboom</a:t>
@@ -15817,8 +15871,8 @@
                 <a:solidFill>
                   <a:schemeClr val="bg1"/>
                 </a:solidFill>
-                <a:latin typeface="微软雅黑" panose="020B0503020204020204" charset="-122"/>
-                <a:ea typeface="微软雅黑" panose="020B0503020204020204" charset="-122"/>
+                <a:latin typeface="微软雅黑" charset="-122"/>
+                <a:ea typeface="微软雅黑" charset="-122"/>
                 <a:sym typeface="+mn-ea"/>
               </a:rPr>
               <a:t>     </a:t>
@@ -15828,8 +15882,8 @@
                 <a:solidFill>
                   <a:schemeClr val="bg1"/>
                 </a:solidFill>
-                <a:latin typeface="微软雅黑" panose="020B0503020204020204" charset="-122"/>
-                <a:ea typeface="微软雅黑" panose="020B0503020204020204" charset="-122"/>
+                <a:latin typeface="微软雅黑" charset="-122"/>
+                <a:ea typeface="微软雅黑" charset="-122"/>
                 <a:sym typeface="+mn-ea"/>
               </a:rPr>
               <a:t>micro:bit t</a:t>
@@ -15839,8 +15893,8 @@
                 <a:solidFill>
                   <a:schemeClr val="bg1"/>
                 </a:solidFill>
-                <a:latin typeface="微软雅黑" panose="020B0503020204020204" charset="-122"/>
-                <a:ea typeface="微软雅黑" panose="020B0503020204020204" charset="-122"/>
+                <a:latin typeface="微软雅黑" charset="-122"/>
+                <a:ea typeface="微软雅黑" charset="-122"/>
                 <a:sym typeface="+mn-ea"/>
               </a:rPr>
               <a:t>utorial</a:t>
@@ -15849,8 +15903,8 @@
               <a:solidFill>
                 <a:schemeClr val="bg1"/>
               </a:solidFill>
-              <a:latin typeface="微软雅黑" panose="020B0503020204020204" charset="-122"/>
-              <a:ea typeface="微软雅黑" panose="020B0503020204020204" charset="-122"/>
+              <a:latin typeface="微软雅黑" charset="-122"/>
+              <a:ea typeface="微软雅黑" charset="-122"/>
               <a:sym typeface="+mn-ea"/>
             </a:endParaRPr>
           </a:p>
@@ -16115,6 +16169,8 @@
       </a:bgFillStyleLst>
     </a:fmtScheme>
   </a:themeElements>
+  <a:objectDefaults/>
+  <a:extraClrSchemeLst/>
   <a:extLst>
     <a:ext uri="{05A4C25C-085E-4340-85A3-A5531E510DB2}">
       <thm15:themeFamily xmlns:thm15="http://schemas.microsoft.com/office/thememl/2012/main" name="Office Theme" id="{62F939B6-93AF-4DB8-9C6B-D6C7DFDC589F}" vid="{4A3C46E8-61CC-4603-A589-7422A47A8E4A}"/>
